--- a/ppt 16-9/0190.欢乐颂.pptx
+++ b/ppt 16-9/0190.欢乐颂.pptx
@@ -5,7 +5,7 @@
     <p:sldMasterId id="2147483648" r:id="rId1"/>
   </p:sldMasterIdLst>
   <p:sldIdLst>
-    <p:sldId id="2823" r:id="rId2"/>
+    <p:sldId id="2824" r:id="rId2"/>
   </p:sldIdLst>
   <p:sldSz cx="12192000" cy="6858000"/>
   <p:notesSz cx="6858000" cy="9144000"/>
@@ -129,7 +129,7 @@
           <p:cNvPr id="2" name="标题 1">
             <a:extLst>
               <a:ext uri="{FF2B5EF4-FFF2-40B4-BE49-F238E27FC236}">
-                <a16:creationId xmlns:a16="http://schemas.microsoft.com/office/drawing/2014/main" id="{BED6FDE4-6FBA-E73C-EE33-C6FDF558C794}"/>
+                <a16:creationId xmlns:a16="http://schemas.microsoft.com/office/drawing/2014/main" id="{B1143537-D091-91E0-0BC9-B9ADE4A85AB9}"/>
               </a:ext>
             </a:extLst>
           </p:cNvPr>
@@ -166,7 +166,7 @@
           <p:cNvPr id="3" name="副标题 2">
             <a:extLst>
               <a:ext uri="{FF2B5EF4-FFF2-40B4-BE49-F238E27FC236}">
-                <a16:creationId xmlns:a16="http://schemas.microsoft.com/office/drawing/2014/main" id="{C725D222-557E-0459-9D93-22146BD7EDA6}"/>
+                <a16:creationId xmlns:a16="http://schemas.microsoft.com/office/drawing/2014/main" id="{6178B454-D70E-ABED-F1C4-DB6C6D1F3B72}"/>
               </a:ext>
             </a:extLst>
           </p:cNvPr>
@@ -236,7 +236,7 @@
           <p:cNvPr id="4" name="日期占位符 3">
             <a:extLst>
               <a:ext uri="{FF2B5EF4-FFF2-40B4-BE49-F238E27FC236}">
-                <a16:creationId xmlns:a16="http://schemas.microsoft.com/office/drawing/2014/main" id="{BA4F6B1E-477D-CFEF-8BDC-41F6882A6ED0}"/>
+                <a16:creationId xmlns:a16="http://schemas.microsoft.com/office/drawing/2014/main" id="{3752C836-3C84-7DDE-A525-0BD3B45657EB}"/>
               </a:ext>
             </a:extLst>
           </p:cNvPr>
@@ -252,7 +252,7 @@
           <a:bodyPr/>
           <a:lstStyle/>
           <a:p>
-            <a:fld id="{B22705CF-63E8-456A-A837-CB55B57DC4B5}" type="datetimeFigureOut">
+            <a:fld id="{04073DB8-1806-4C00-A632-53411CABAEFB}" type="datetimeFigureOut">
               <a:rPr lang="zh-CN" altLang="en-US" smtClean="0"/>
               <a:t>2024/3/10</a:t>
             </a:fld>
@@ -265,7 +265,7 @@
           <p:cNvPr id="5" name="页脚占位符 4">
             <a:extLst>
               <a:ext uri="{FF2B5EF4-FFF2-40B4-BE49-F238E27FC236}">
-                <a16:creationId xmlns:a16="http://schemas.microsoft.com/office/drawing/2014/main" id="{D5EC1D55-6DF7-824A-4F47-B8EF89B6B0AA}"/>
+                <a16:creationId xmlns:a16="http://schemas.microsoft.com/office/drawing/2014/main" id="{352E7D64-8BDF-DE13-8798-6016D5D61BE3}"/>
               </a:ext>
             </a:extLst>
           </p:cNvPr>
@@ -290,7 +290,7 @@
           <p:cNvPr id="6" name="灯片编号占位符 5">
             <a:extLst>
               <a:ext uri="{FF2B5EF4-FFF2-40B4-BE49-F238E27FC236}">
-                <a16:creationId xmlns:a16="http://schemas.microsoft.com/office/drawing/2014/main" id="{7FFE552B-6277-AE5E-D075-7D1AC93A3878}"/>
+                <a16:creationId xmlns:a16="http://schemas.microsoft.com/office/drawing/2014/main" id="{28A00E2F-4E7D-640C-C39B-FACE7EE0B27C}"/>
               </a:ext>
             </a:extLst>
           </p:cNvPr>
@@ -306,7 +306,7 @@
           <a:bodyPr/>
           <a:lstStyle/>
           <a:p>
-            <a:fld id="{C3816EAA-3C76-4DBC-90A8-18AC16D40E10}" type="slidenum">
+            <a:fld id="{BE52A92E-6AD3-438A-9824-07E22FE15C4B}" type="slidenum">
               <a:rPr lang="zh-CN" altLang="en-US" smtClean="0"/>
               <a:t>‹#›</a:t>
             </a:fld>
@@ -317,7 +317,7 @@
     </p:spTree>
     <p:extLst>
       <p:ext uri="{BB962C8B-B14F-4D97-AF65-F5344CB8AC3E}">
-        <p14:creationId xmlns:p14="http://schemas.microsoft.com/office/powerpoint/2010/main" val="3957273046"/>
+        <p14:creationId xmlns:p14="http://schemas.microsoft.com/office/powerpoint/2010/main" val="4097862239"/>
       </p:ext>
     </p:extLst>
   </p:cSld>
@@ -349,7 +349,7 @@
           <p:cNvPr id="2" name="标题 1">
             <a:extLst>
               <a:ext uri="{FF2B5EF4-FFF2-40B4-BE49-F238E27FC236}">
-                <a16:creationId xmlns:a16="http://schemas.microsoft.com/office/drawing/2014/main" id="{7E961C8A-BF8B-66E9-CAB2-96727AECCF4C}"/>
+                <a16:creationId xmlns:a16="http://schemas.microsoft.com/office/drawing/2014/main" id="{BA089CA9-AC66-8C61-A8FE-B7C3B8ED63F6}"/>
               </a:ext>
             </a:extLst>
           </p:cNvPr>
@@ -377,7 +377,7 @@
           <p:cNvPr id="3" name="竖排文字占位符 2">
             <a:extLst>
               <a:ext uri="{FF2B5EF4-FFF2-40B4-BE49-F238E27FC236}">
-                <a16:creationId xmlns:a16="http://schemas.microsoft.com/office/drawing/2014/main" id="{137A93B7-F07F-71BF-96C6-B35C4565F0F7}"/>
+                <a16:creationId xmlns:a16="http://schemas.microsoft.com/office/drawing/2014/main" id="{EAB10EDE-649C-D3C0-42C9-63B09AB395C5}"/>
               </a:ext>
             </a:extLst>
           </p:cNvPr>
@@ -434,7 +434,7 @@
           <p:cNvPr id="4" name="日期占位符 3">
             <a:extLst>
               <a:ext uri="{FF2B5EF4-FFF2-40B4-BE49-F238E27FC236}">
-                <a16:creationId xmlns:a16="http://schemas.microsoft.com/office/drawing/2014/main" id="{5DA25D28-E3AC-A17B-47AA-1DA3B6D9926D}"/>
+                <a16:creationId xmlns:a16="http://schemas.microsoft.com/office/drawing/2014/main" id="{91322F9E-24BC-820A-150E-857EFA08234C}"/>
               </a:ext>
             </a:extLst>
           </p:cNvPr>
@@ -450,7 +450,7 @@
           <a:bodyPr/>
           <a:lstStyle/>
           <a:p>
-            <a:fld id="{B22705CF-63E8-456A-A837-CB55B57DC4B5}" type="datetimeFigureOut">
+            <a:fld id="{04073DB8-1806-4C00-A632-53411CABAEFB}" type="datetimeFigureOut">
               <a:rPr lang="zh-CN" altLang="en-US" smtClean="0"/>
               <a:t>2024/3/10</a:t>
             </a:fld>
@@ -463,7 +463,7 @@
           <p:cNvPr id="5" name="页脚占位符 4">
             <a:extLst>
               <a:ext uri="{FF2B5EF4-FFF2-40B4-BE49-F238E27FC236}">
-                <a16:creationId xmlns:a16="http://schemas.microsoft.com/office/drawing/2014/main" id="{A57082FB-A9DC-98BD-D6AC-7A96E4E34737}"/>
+                <a16:creationId xmlns:a16="http://schemas.microsoft.com/office/drawing/2014/main" id="{BCF4DBA3-AA84-4610-E7B6-4195CE3AB343}"/>
               </a:ext>
             </a:extLst>
           </p:cNvPr>
@@ -488,7 +488,7 @@
           <p:cNvPr id="6" name="灯片编号占位符 5">
             <a:extLst>
               <a:ext uri="{FF2B5EF4-FFF2-40B4-BE49-F238E27FC236}">
-                <a16:creationId xmlns:a16="http://schemas.microsoft.com/office/drawing/2014/main" id="{BB98DC2C-40C9-D52D-7AC3-3AD370B42566}"/>
+                <a16:creationId xmlns:a16="http://schemas.microsoft.com/office/drawing/2014/main" id="{D76D9E1B-80B3-D35B-1B5C-EDBE0D509DA0}"/>
               </a:ext>
             </a:extLst>
           </p:cNvPr>
@@ -504,7 +504,7 @@
           <a:bodyPr/>
           <a:lstStyle/>
           <a:p>
-            <a:fld id="{C3816EAA-3C76-4DBC-90A8-18AC16D40E10}" type="slidenum">
+            <a:fld id="{BE52A92E-6AD3-438A-9824-07E22FE15C4B}" type="slidenum">
               <a:rPr lang="zh-CN" altLang="en-US" smtClean="0"/>
               <a:t>‹#›</a:t>
             </a:fld>
@@ -515,7 +515,7 @@
     </p:spTree>
     <p:extLst>
       <p:ext uri="{BB962C8B-B14F-4D97-AF65-F5344CB8AC3E}">
-        <p14:creationId xmlns:p14="http://schemas.microsoft.com/office/powerpoint/2010/main" val="1000221864"/>
+        <p14:creationId xmlns:p14="http://schemas.microsoft.com/office/powerpoint/2010/main" val="3038073896"/>
       </p:ext>
     </p:extLst>
   </p:cSld>
@@ -547,7 +547,7 @@
           <p:cNvPr id="2" name="竖排标题 1">
             <a:extLst>
               <a:ext uri="{FF2B5EF4-FFF2-40B4-BE49-F238E27FC236}">
-                <a16:creationId xmlns:a16="http://schemas.microsoft.com/office/drawing/2014/main" id="{3B26D61B-862C-CB3B-6B76-AD8B2511043F}"/>
+                <a16:creationId xmlns:a16="http://schemas.microsoft.com/office/drawing/2014/main" id="{BBF53714-C624-5FF0-27FA-569D39A06937}"/>
               </a:ext>
             </a:extLst>
           </p:cNvPr>
@@ -580,7 +580,7 @@
           <p:cNvPr id="3" name="竖排文字占位符 2">
             <a:extLst>
               <a:ext uri="{FF2B5EF4-FFF2-40B4-BE49-F238E27FC236}">
-                <a16:creationId xmlns:a16="http://schemas.microsoft.com/office/drawing/2014/main" id="{28D0F429-DE35-F4C6-4DC8-FE5E5C19C0F5}"/>
+                <a16:creationId xmlns:a16="http://schemas.microsoft.com/office/drawing/2014/main" id="{DC285CFA-BF49-7304-93DD-55BD22590C66}"/>
               </a:ext>
             </a:extLst>
           </p:cNvPr>
@@ -642,7 +642,7 @@
           <p:cNvPr id="4" name="日期占位符 3">
             <a:extLst>
               <a:ext uri="{FF2B5EF4-FFF2-40B4-BE49-F238E27FC236}">
-                <a16:creationId xmlns:a16="http://schemas.microsoft.com/office/drawing/2014/main" id="{DA79AE11-D5F3-B532-9A34-0BAECCAB6098}"/>
+                <a16:creationId xmlns:a16="http://schemas.microsoft.com/office/drawing/2014/main" id="{01C9281E-6415-BCE0-0753-AF87F5399992}"/>
               </a:ext>
             </a:extLst>
           </p:cNvPr>
@@ -658,7 +658,7 @@
           <a:bodyPr/>
           <a:lstStyle/>
           <a:p>
-            <a:fld id="{B22705CF-63E8-456A-A837-CB55B57DC4B5}" type="datetimeFigureOut">
+            <a:fld id="{04073DB8-1806-4C00-A632-53411CABAEFB}" type="datetimeFigureOut">
               <a:rPr lang="zh-CN" altLang="en-US" smtClean="0"/>
               <a:t>2024/3/10</a:t>
             </a:fld>
@@ -671,7 +671,7 @@
           <p:cNvPr id="5" name="页脚占位符 4">
             <a:extLst>
               <a:ext uri="{FF2B5EF4-FFF2-40B4-BE49-F238E27FC236}">
-                <a16:creationId xmlns:a16="http://schemas.microsoft.com/office/drawing/2014/main" id="{B8DB663D-982D-043C-E676-2689EBD0D970}"/>
+                <a16:creationId xmlns:a16="http://schemas.microsoft.com/office/drawing/2014/main" id="{4A1E61E8-DFAA-44D3-2691-39EB39ABCBC7}"/>
               </a:ext>
             </a:extLst>
           </p:cNvPr>
@@ -696,7 +696,7 @@
           <p:cNvPr id="6" name="灯片编号占位符 5">
             <a:extLst>
               <a:ext uri="{FF2B5EF4-FFF2-40B4-BE49-F238E27FC236}">
-                <a16:creationId xmlns:a16="http://schemas.microsoft.com/office/drawing/2014/main" id="{C29DD9C8-7B6F-5BF0-9926-F7FDA63F4CFB}"/>
+                <a16:creationId xmlns:a16="http://schemas.microsoft.com/office/drawing/2014/main" id="{EE0E7851-8B59-552E-BF39-92C706199CB8}"/>
               </a:ext>
             </a:extLst>
           </p:cNvPr>
@@ -712,7 +712,7 @@
           <a:bodyPr/>
           <a:lstStyle/>
           <a:p>
-            <a:fld id="{C3816EAA-3C76-4DBC-90A8-18AC16D40E10}" type="slidenum">
+            <a:fld id="{BE52A92E-6AD3-438A-9824-07E22FE15C4B}" type="slidenum">
               <a:rPr lang="zh-CN" altLang="en-US" smtClean="0"/>
               <a:t>‹#›</a:t>
             </a:fld>
@@ -723,7 +723,7 @@
     </p:spTree>
     <p:extLst>
       <p:ext uri="{BB962C8B-B14F-4D97-AF65-F5344CB8AC3E}">
-        <p14:creationId xmlns:p14="http://schemas.microsoft.com/office/powerpoint/2010/main" val="2265501791"/>
+        <p14:creationId xmlns:p14="http://schemas.microsoft.com/office/powerpoint/2010/main" val="2253627665"/>
       </p:ext>
     </p:extLst>
   </p:cSld>
@@ -755,7 +755,7 @@
           <p:cNvPr id="2" name="标题 1">
             <a:extLst>
               <a:ext uri="{FF2B5EF4-FFF2-40B4-BE49-F238E27FC236}">
-                <a16:creationId xmlns:a16="http://schemas.microsoft.com/office/drawing/2014/main" id="{90C0EE71-49CC-92A9-53A8-B3F27978D101}"/>
+                <a16:creationId xmlns:a16="http://schemas.microsoft.com/office/drawing/2014/main" id="{53B73A78-F212-DF22-44B6-3E234CA141D4}"/>
               </a:ext>
             </a:extLst>
           </p:cNvPr>
@@ -783,7 +783,7 @@
           <p:cNvPr id="3" name="内容占位符 2">
             <a:extLst>
               <a:ext uri="{FF2B5EF4-FFF2-40B4-BE49-F238E27FC236}">
-                <a16:creationId xmlns:a16="http://schemas.microsoft.com/office/drawing/2014/main" id="{B4C1B977-ACD7-941F-6866-F4FDCBC31468}"/>
+                <a16:creationId xmlns:a16="http://schemas.microsoft.com/office/drawing/2014/main" id="{B1EC8319-88DA-0CF8-3BB5-3FA29E865F85}"/>
               </a:ext>
             </a:extLst>
           </p:cNvPr>
@@ -840,7 +840,7 @@
           <p:cNvPr id="4" name="日期占位符 3">
             <a:extLst>
               <a:ext uri="{FF2B5EF4-FFF2-40B4-BE49-F238E27FC236}">
-                <a16:creationId xmlns:a16="http://schemas.microsoft.com/office/drawing/2014/main" id="{9733AAA1-61BE-2CC7-E6A1-93E2E530C85A}"/>
+                <a16:creationId xmlns:a16="http://schemas.microsoft.com/office/drawing/2014/main" id="{CD0F8CC0-A6DA-350B-CD52-4D644F67A1CF}"/>
               </a:ext>
             </a:extLst>
           </p:cNvPr>
@@ -856,7 +856,7 @@
           <a:bodyPr/>
           <a:lstStyle/>
           <a:p>
-            <a:fld id="{B22705CF-63E8-456A-A837-CB55B57DC4B5}" type="datetimeFigureOut">
+            <a:fld id="{04073DB8-1806-4C00-A632-53411CABAEFB}" type="datetimeFigureOut">
               <a:rPr lang="zh-CN" altLang="en-US" smtClean="0"/>
               <a:t>2024/3/10</a:t>
             </a:fld>
@@ -869,7 +869,7 @@
           <p:cNvPr id="5" name="页脚占位符 4">
             <a:extLst>
               <a:ext uri="{FF2B5EF4-FFF2-40B4-BE49-F238E27FC236}">
-                <a16:creationId xmlns:a16="http://schemas.microsoft.com/office/drawing/2014/main" id="{BAF6081A-CF20-023A-310A-7223D5469842}"/>
+                <a16:creationId xmlns:a16="http://schemas.microsoft.com/office/drawing/2014/main" id="{259D5853-9AE5-EB0B-9734-21CCB07EABF4}"/>
               </a:ext>
             </a:extLst>
           </p:cNvPr>
@@ -894,7 +894,7 @@
           <p:cNvPr id="6" name="灯片编号占位符 5">
             <a:extLst>
               <a:ext uri="{FF2B5EF4-FFF2-40B4-BE49-F238E27FC236}">
-                <a16:creationId xmlns:a16="http://schemas.microsoft.com/office/drawing/2014/main" id="{B4E8EEE7-35AC-A6B6-ED60-B6E50FBD5EA0}"/>
+                <a16:creationId xmlns:a16="http://schemas.microsoft.com/office/drawing/2014/main" id="{ADC1C1BE-562B-E645-439F-0DC3F15541B9}"/>
               </a:ext>
             </a:extLst>
           </p:cNvPr>
@@ -910,7 +910,7 @@
           <a:bodyPr/>
           <a:lstStyle/>
           <a:p>
-            <a:fld id="{C3816EAA-3C76-4DBC-90A8-18AC16D40E10}" type="slidenum">
+            <a:fld id="{BE52A92E-6AD3-438A-9824-07E22FE15C4B}" type="slidenum">
               <a:rPr lang="zh-CN" altLang="en-US" smtClean="0"/>
               <a:t>‹#›</a:t>
             </a:fld>
@@ -921,7 +921,7 @@
     </p:spTree>
     <p:extLst>
       <p:ext uri="{BB962C8B-B14F-4D97-AF65-F5344CB8AC3E}">
-        <p14:creationId xmlns:p14="http://schemas.microsoft.com/office/powerpoint/2010/main" val="3961470011"/>
+        <p14:creationId xmlns:p14="http://schemas.microsoft.com/office/powerpoint/2010/main" val="432294589"/>
       </p:ext>
     </p:extLst>
   </p:cSld>
@@ -953,7 +953,7 @@
           <p:cNvPr id="2" name="标题 1">
             <a:extLst>
               <a:ext uri="{FF2B5EF4-FFF2-40B4-BE49-F238E27FC236}">
-                <a16:creationId xmlns:a16="http://schemas.microsoft.com/office/drawing/2014/main" id="{182B6BA5-76B1-62FA-A45D-619404B0D91E}"/>
+                <a16:creationId xmlns:a16="http://schemas.microsoft.com/office/drawing/2014/main" id="{48446CF2-DA63-10E1-F5B6-48BED32FCDE6}"/>
               </a:ext>
             </a:extLst>
           </p:cNvPr>
@@ -990,7 +990,7 @@
           <p:cNvPr id="3" name="文本占位符 2">
             <a:extLst>
               <a:ext uri="{FF2B5EF4-FFF2-40B4-BE49-F238E27FC236}">
-                <a16:creationId xmlns:a16="http://schemas.microsoft.com/office/drawing/2014/main" id="{CD082B63-3290-8FB6-4CF7-DD787D1787F5}"/>
+                <a16:creationId xmlns:a16="http://schemas.microsoft.com/office/drawing/2014/main" id="{F7173EA1-CCC0-D419-78BE-AE5A0E1979DE}"/>
               </a:ext>
             </a:extLst>
           </p:cNvPr>
@@ -1115,7 +1115,7 @@
           <p:cNvPr id="4" name="日期占位符 3">
             <a:extLst>
               <a:ext uri="{FF2B5EF4-FFF2-40B4-BE49-F238E27FC236}">
-                <a16:creationId xmlns:a16="http://schemas.microsoft.com/office/drawing/2014/main" id="{7DA1D0A2-972E-964E-EB2E-F0BC3D61F957}"/>
+                <a16:creationId xmlns:a16="http://schemas.microsoft.com/office/drawing/2014/main" id="{43DDDDCD-0E61-4AEE-8FEE-2EBADD5D4783}"/>
               </a:ext>
             </a:extLst>
           </p:cNvPr>
@@ -1131,7 +1131,7 @@
           <a:bodyPr/>
           <a:lstStyle/>
           <a:p>
-            <a:fld id="{B22705CF-63E8-456A-A837-CB55B57DC4B5}" type="datetimeFigureOut">
+            <a:fld id="{04073DB8-1806-4C00-A632-53411CABAEFB}" type="datetimeFigureOut">
               <a:rPr lang="zh-CN" altLang="en-US" smtClean="0"/>
               <a:t>2024/3/10</a:t>
             </a:fld>
@@ -1144,7 +1144,7 @@
           <p:cNvPr id="5" name="页脚占位符 4">
             <a:extLst>
               <a:ext uri="{FF2B5EF4-FFF2-40B4-BE49-F238E27FC236}">
-                <a16:creationId xmlns:a16="http://schemas.microsoft.com/office/drawing/2014/main" id="{7CC1902D-DA83-C62C-72B3-85FB90E5E58D}"/>
+                <a16:creationId xmlns:a16="http://schemas.microsoft.com/office/drawing/2014/main" id="{75B7AC18-B877-5583-4029-1AD8905F92F2}"/>
               </a:ext>
             </a:extLst>
           </p:cNvPr>
@@ -1169,7 +1169,7 @@
           <p:cNvPr id="6" name="灯片编号占位符 5">
             <a:extLst>
               <a:ext uri="{FF2B5EF4-FFF2-40B4-BE49-F238E27FC236}">
-                <a16:creationId xmlns:a16="http://schemas.microsoft.com/office/drawing/2014/main" id="{8C29E1F3-71EF-962A-E83F-2E9EFF7D6F6F}"/>
+                <a16:creationId xmlns:a16="http://schemas.microsoft.com/office/drawing/2014/main" id="{10BB9905-E70E-8BFD-1018-0AF2A0B823F1}"/>
               </a:ext>
             </a:extLst>
           </p:cNvPr>
@@ -1185,7 +1185,7 @@
           <a:bodyPr/>
           <a:lstStyle/>
           <a:p>
-            <a:fld id="{C3816EAA-3C76-4DBC-90A8-18AC16D40E10}" type="slidenum">
+            <a:fld id="{BE52A92E-6AD3-438A-9824-07E22FE15C4B}" type="slidenum">
               <a:rPr lang="zh-CN" altLang="en-US" smtClean="0"/>
               <a:t>‹#›</a:t>
             </a:fld>
@@ -1196,7 +1196,7 @@
     </p:spTree>
     <p:extLst>
       <p:ext uri="{BB962C8B-B14F-4D97-AF65-F5344CB8AC3E}">
-        <p14:creationId xmlns:p14="http://schemas.microsoft.com/office/powerpoint/2010/main" val="2737098846"/>
+        <p14:creationId xmlns:p14="http://schemas.microsoft.com/office/powerpoint/2010/main" val="386559822"/>
       </p:ext>
     </p:extLst>
   </p:cSld>
@@ -1228,7 +1228,7 @@
           <p:cNvPr id="2" name="标题 1">
             <a:extLst>
               <a:ext uri="{FF2B5EF4-FFF2-40B4-BE49-F238E27FC236}">
-                <a16:creationId xmlns:a16="http://schemas.microsoft.com/office/drawing/2014/main" id="{6CAF82DB-6CE2-B118-54EE-EB907819A863}"/>
+                <a16:creationId xmlns:a16="http://schemas.microsoft.com/office/drawing/2014/main" id="{D982EFF4-6B98-6F79-F579-E99BC3FB0042}"/>
               </a:ext>
             </a:extLst>
           </p:cNvPr>
@@ -1256,7 +1256,7 @@
           <p:cNvPr id="3" name="内容占位符 2">
             <a:extLst>
               <a:ext uri="{FF2B5EF4-FFF2-40B4-BE49-F238E27FC236}">
-                <a16:creationId xmlns:a16="http://schemas.microsoft.com/office/drawing/2014/main" id="{4D4B6578-395C-C8E0-3010-1CF93D08FB9F}"/>
+                <a16:creationId xmlns:a16="http://schemas.microsoft.com/office/drawing/2014/main" id="{7A087CCA-C717-F579-B3D2-79887B7ABFED}"/>
               </a:ext>
             </a:extLst>
           </p:cNvPr>
@@ -1318,7 +1318,7 @@
           <p:cNvPr id="4" name="内容占位符 3">
             <a:extLst>
               <a:ext uri="{FF2B5EF4-FFF2-40B4-BE49-F238E27FC236}">
-                <a16:creationId xmlns:a16="http://schemas.microsoft.com/office/drawing/2014/main" id="{E9FC8EFE-DBA2-8F0D-0F73-44F6FA711393}"/>
+                <a16:creationId xmlns:a16="http://schemas.microsoft.com/office/drawing/2014/main" id="{FF1857E7-545C-0159-E1E2-D1E6E0E7B97B}"/>
               </a:ext>
             </a:extLst>
           </p:cNvPr>
@@ -1380,7 +1380,7 @@
           <p:cNvPr id="5" name="日期占位符 4">
             <a:extLst>
               <a:ext uri="{FF2B5EF4-FFF2-40B4-BE49-F238E27FC236}">
-                <a16:creationId xmlns:a16="http://schemas.microsoft.com/office/drawing/2014/main" id="{511D0A89-D8F6-47A6-7E62-9C0ACFE627EC}"/>
+                <a16:creationId xmlns:a16="http://schemas.microsoft.com/office/drawing/2014/main" id="{9AE4EB74-AF7E-EDBE-9F45-6D77D136E1A6}"/>
               </a:ext>
             </a:extLst>
           </p:cNvPr>
@@ -1396,7 +1396,7 @@
           <a:bodyPr/>
           <a:lstStyle/>
           <a:p>
-            <a:fld id="{B22705CF-63E8-456A-A837-CB55B57DC4B5}" type="datetimeFigureOut">
+            <a:fld id="{04073DB8-1806-4C00-A632-53411CABAEFB}" type="datetimeFigureOut">
               <a:rPr lang="zh-CN" altLang="en-US" smtClean="0"/>
               <a:t>2024/3/10</a:t>
             </a:fld>
@@ -1409,7 +1409,7 @@
           <p:cNvPr id="6" name="页脚占位符 5">
             <a:extLst>
               <a:ext uri="{FF2B5EF4-FFF2-40B4-BE49-F238E27FC236}">
-                <a16:creationId xmlns:a16="http://schemas.microsoft.com/office/drawing/2014/main" id="{088BFCBB-894E-4600-1CE4-8AC3298F262E}"/>
+                <a16:creationId xmlns:a16="http://schemas.microsoft.com/office/drawing/2014/main" id="{AF63FEAA-2AAD-97B6-C074-C968303C8B88}"/>
               </a:ext>
             </a:extLst>
           </p:cNvPr>
@@ -1434,7 +1434,7 @@
           <p:cNvPr id="7" name="灯片编号占位符 6">
             <a:extLst>
               <a:ext uri="{FF2B5EF4-FFF2-40B4-BE49-F238E27FC236}">
-                <a16:creationId xmlns:a16="http://schemas.microsoft.com/office/drawing/2014/main" id="{76F07719-3378-7275-EC01-0ADBC57211AA}"/>
+                <a16:creationId xmlns:a16="http://schemas.microsoft.com/office/drawing/2014/main" id="{C8FD3901-B94E-B363-EDC0-C86F89D3768C}"/>
               </a:ext>
             </a:extLst>
           </p:cNvPr>
@@ -1450,7 +1450,7 @@
           <a:bodyPr/>
           <a:lstStyle/>
           <a:p>
-            <a:fld id="{C3816EAA-3C76-4DBC-90A8-18AC16D40E10}" type="slidenum">
+            <a:fld id="{BE52A92E-6AD3-438A-9824-07E22FE15C4B}" type="slidenum">
               <a:rPr lang="zh-CN" altLang="en-US" smtClean="0"/>
               <a:t>‹#›</a:t>
             </a:fld>
@@ -1461,7 +1461,7 @@
     </p:spTree>
     <p:extLst>
       <p:ext uri="{BB962C8B-B14F-4D97-AF65-F5344CB8AC3E}">
-        <p14:creationId xmlns:p14="http://schemas.microsoft.com/office/powerpoint/2010/main" val="3773089750"/>
+        <p14:creationId xmlns:p14="http://schemas.microsoft.com/office/powerpoint/2010/main" val="3741007666"/>
       </p:ext>
     </p:extLst>
   </p:cSld>
@@ -1493,7 +1493,7 @@
           <p:cNvPr id="2" name="标题 1">
             <a:extLst>
               <a:ext uri="{FF2B5EF4-FFF2-40B4-BE49-F238E27FC236}">
-                <a16:creationId xmlns:a16="http://schemas.microsoft.com/office/drawing/2014/main" id="{CD2010B4-4D3A-54FD-2B0C-0B8FB60B7DE5}"/>
+                <a16:creationId xmlns:a16="http://schemas.microsoft.com/office/drawing/2014/main" id="{0136B00C-1ECE-F10F-B117-D76B966AF147}"/>
               </a:ext>
             </a:extLst>
           </p:cNvPr>
@@ -1526,7 +1526,7 @@
           <p:cNvPr id="3" name="文本占位符 2">
             <a:extLst>
               <a:ext uri="{FF2B5EF4-FFF2-40B4-BE49-F238E27FC236}">
-                <a16:creationId xmlns:a16="http://schemas.microsoft.com/office/drawing/2014/main" id="{3555FFEF-ABC1-B0BD-8245-C28DA9B4811E}"/>
+                <a16:creationId xmlns:a16="http://schemas.microsoft.com/office/drawing/2014/main" id="{FFA67C53-2D37-73DF-7221-087F5DD69211}"/>
               </a:ext>
             </a:extLst>
           </p:cNvPr>
@@ -1597,7 +1597,7 @@
           <p:cNvPr id="4" name="内容占位符 3">
             <a:extLst>
               <a:ext uri="{FF2B5EF4-FFF2-40B4-BE49-F238E27FC236}">
-                <a16:creationId xmlns:a16="http://schemas.microsoft.com/office/drawing/2014/main" id="{1210C8ED-C5B0-818A-AA77-6ECD5B1B2558}"/>
+                <a16:creationId xmlns:a16="http://schemas.microsoft.com/office/drawing/2014/main" id="{4632F947-D20C-1B17-33ED-C0F700D409CB}"/>
               </a:ext>
             </a:extLst>
           </p:cNvPr>
@@ -1659,7 +1659,7 @@
           <p:cNvPr id="5" name="文本占位符 4">
             <a:extLst>
               <a:ext uri="{FF2B5EF4-FFF2-40B4-BE49-F238E27FC236}">
-                <a16:creationId xmlns:a16="http://schemas.microsoft.com/office/drawing/2014/main" id="{F8A08ABF-04D6-7AE7-64BC-0771F3F1E191}"/>
+                <a16:creationId xmlns:a16="http://schemas.microsoft.com/office/drawing/2014/main" id="{4DF19C36-3AC3-1942-BDBF-F5EC54BEF656}"/>
               </a:ext>
             </a:extLst>
           </p:cNvPr>
@@ -1730,7 +1730,7 @@
           <p:cNvPr id="6" name="内容占位符 5">
             <a:extLst>
               <a:ext uri="{FF2B5EF4-FFF2-40B4-BE49-F238E27FC236}">
-                <a16:creationId xmlns:a16="http://schemas.microsoft.com/office/drawing/2014/main" id="{B0DAA053-065F-0653-0A32-78F1C431D673}"/>
+                <a16:creationId xmlns:a16="http://schemas.microsoft.com/office/drawing/2014/main" id="{49E8C543-44F2-68C2-BB91-A777E27F317C}"/>
               </a:ext>
             </a:extLst>
           </p:cNvPr>
@@ -1792,7 +1792,7 @@
           <p:cNvPr id="7" name="日期占位符 6">
             <a:extLst>
               <a:ext uri="{FF2B5EF4-FFF2-40B4-BE49-F238E27FC236}">
-                <a16:creationId xmlns:a16="http://schemas.microsoft.com/office/drawing/2014/main" id="{40B83AF3-8921-F5BD-0C0F-36948F5493F4}"/>
+                <a16:creationId xmlns:a16="http://schemas.microsoft.com/office/drawing/2014/main" id="{1C148C05-EBFE-BF6A-AF3F-2FA60B41BBD6}"/>
               </a:ext>
             </a:extLst>
           </p:cNvPr>
@@ -1808,7 +1808,7 @@
           <a:bodyPr/>
           <a:lstStyle/>
           <a:p>
-            <a:fld id="{B22705CF-63E8-456A-A837-CB55B57DC4B5}" type="datetimeFigureOut">
+            <a:fld id="{04073DB8-1806-4C00-A632-53411CABAEFB}" type="datetimeFigureOut">
               <a:rPr lang="zh-CN" altLang="en-US" smtClean="0"/>
               <a:t>2024/3/10</a:t>
             </a:fld>
@@ -1821,7 +1821,7 @@
           <p:cNvPr id="8" name="页脚占位符 7">
             <a:extLst>
               <a:ext uri="{FF2B5EF4-FFF2-40B4-BE49-F238E27FC236}">
-                <a16:creationId xmlns:a16="http://schemas.microsoft.com/office/drawing/2014/main" id="{05D2F08D-746E-A94E-82EB-68F3DEEAAF42}"/>
+                <a16:creationId xmlns:a16="http://schemas.microsoft.com/office/drawing/2014/main" id="{A42E9B1F-BCB6-5117-F79D-EBB18055DD9D}"/>
               </a:ext>
             </a:extLst>
           </p:cNvPr>
@@ -1846,7 +1846,7 @@
           <p:cNvPr id="9" name="灯片编号占位符 8">
             <a:extLst>
               <a:ext uri="{FF2B5EF4-FFF2-40B4-BE49-F238E27FC236}">
-                <a16:creationId xmlns:a16="http://schemas.microsoft.com/office/drawing/2014/main" id="{48F46916-7E57-0C7B-55DF-E4EE6F1E103E}"/>
+                <a16:creationId xmlns:a16="http://schemas.microsoft.com/office/drawing/2014/main" id="{CBD289F6-6522-7E1A-A2AC-309B20EDC446}"/>
               </a:ext>
             </a:extLst>
           </p:cNvPr>
@@ -1862,7 +1862,7 @@
           <a:bodyPr/>
           <a:lstStyle/>
           <a:p>
-            <a:fld id="{C3816EAA-3C76-4DBC-90A8-18AC16D40E10}" type="slidenum">
+            <a:fld id="{BE52A92E-6AD3-438A-9824-07E22FE15C4B}" type="slidenum">
               <a:rPr lang="zh-CN" altLang="en-US" smtClean="0"/>
               <a:t>‹#›</a:t>
             </a:fld>
@@ -1873,7 +1873,7 @@
     </p:spTree>
     <p:extLst>
       <p:ext uri="{BB962C8B-B14F-4D97-AF65-F5344CB8AC3E}">
-        <p14:creationId xmlns:p14="http://schemas.microsoft.com/office/powerpoint/2010/main" val="3279083060"/>
+        <p14:creationId xmlns:p14="http://schemas.microsoft.com/office/powerpoint/2010/main" val="1228330807"/>
       </p:ext>
     </p:extLst>
   </p:cSld>
@@ -1905,7 +1905,7 @@
           <p:cNvPr id="2" name="标题 1">
             <a:extLst>
               <a:ext uri="{FF2B5EF4-FFF2-40B4-BE49-F238E27FC236}">
-                <a16:creationId xmlns:a16="http://schemas.microsoft.com/office/drawing/2014/main" id="{CB4F2805-08AB-6B35-77DF-A4E35227145A}"/>
+                <a16:creationId xmlns:a16="http://schemas.microsoft.com/office/drawing/2014/main" id="{F14BB5C9-85C2-F989-93FA-18BF2A24BEEA}"/>
               </a:ext>
             </a:extLst>
           </p:cNvPr>
@@ -1933,7 +1933,7 @@
           <p:cNvPr id="3" name="日期占位符 2">
             <a:extLst>
               <a:ext uri="{FF2B5EF4-FFF2-40B4-BE49-F238E27FC236}">
-                <a16:creationId xmlns:a16="http://schemas.microsoft.com/office/drawing/2014/main" id="{0E05F885-9F5B-CFD6-C057-C0B515DF9C44}"/>
+                <a16:creationId xmlns:a16="http://schemas.microsoft.com/office/drawing/2014/main" id="{81B53DC0-4ED1-C257-CFBB-C3FC7BCFBB36}"/>
               </a:ext>
             </a:extLst>
           </p:cNvPr>
@@ -1949,7 +1949,7 @@
           <a:bodyPr/>
           <a:lstStyle/>
           <a:p>
-            <a:fld id="{B22705CF-63E8-456A-A837-CB55B57DC4B5}" type="datetimeFigureOut">
+            <a:fld id="{04073DB8-1806-4C00-A632-53411CABAEFB}" type="datetimeFigureOut">
               <a:rPr lang="zh-CN" altLang="en-US" smtClean="0"/>
               <a:t>2024/3/10</a:t>
             </a:fld>
@@ -1962,7 +1962,7 @@
           <p:cNvPr id="4" name="页脚占位符 3">
             <a:extLst>
               <a:ext uri="{FF2B5EF4-FFF2-40B4-BE49-F238E27FC236}">
-                <a16:creationId xmlns:a16="http://schemas.microsoft.com/office/drawing/2014/main" id="{1CD5FCC0-35D8-B74E-D019-3224C9EFFCC7}"/>
+                <a16:creationId xmlns:a16="http://schemas.microsoft.com/office/drawing/2014/main" id="{3C8A251F-F6C9-2B87-72BC-9FFF1C74C931}"/>
               </a:ext>
             </a:extLst>
           </p:cNvPr>
@@ -1987,7 +1987,7 @@
           <p:cNvPr id="5" name="灯片编号占位符 4">
             <a:extLst>
               <a:ext uri="{FF2B5EF4-FFF2-40B4-BE49-F238E27FC236}">
-                <a16:creationId xmlns:a16="http://schemas.microsoft.com/office/drawing/2014/main" id="{D72A32AB-CAEC-772C-EAA4-B44115A94D18}"/>
+                <a16:creationId xmlns:a16="http://schemas.microsoft.com/office/drawing/2014/main" id="{6F138969-A505-3E6A-2474-CC315FA8D307}"/>
               </a:ext>
             </a:extLst>
           </p:cNvPr>
@@ -2003,7 +2003,7 @@
           <a:bodyPr/>
           <a:lstStyle/>
           <a:p>
-            <a:fld id="{C3816EAA-3C76-4DBC-90A8-18AC16D40E10}" type="slidenum">
+            <a:fld id="{BE52A92E-6AD3-438A-9824-07E22FE15C4B}" type="slidenum">
               <a:rPr lang="zh-CN" altLang="en-US" smtClean="0"/>
               <a:t>‹#›</a:t>
             </a:fld>
@@ -2014,7 +2014,7 @@
     </p:spTree>
     <p:extLst>
       <p:ext uri="{BB962C8B-B14F-4D97-AF65-F5344CB8AC3E}">
-        <p14:creationId xmlns:p14="http://schemas.microsoft.com/office/powerpoint/2010/main" val="2786077067"/>
+        <p14:creationId xmlns:p14="http://schemas.microsoft.com/office/powerpoint/2010/main" val="1043078146"/>
       </p:ext>
     </p:extLst>
   </p:cSld>
@@ -2046,7 +2046,7 @@
           <p:cNvPr id="2" name="日期占位符 1">
             <a:extLst>
               <a:ext uri="{FF2B5EF4-FFF2-40B4-BE49-F238E27FC236}">
-                <a16:creationId xmlns:a16="http://schemas.microsoft.com/office/drawing/2014/main" id="{24A38528-B15A-43EE-9932-6557993BA96E}"/>
+                <a16:creationId xmlns:a16="http://schemas.microsoft.com/office/drawing/2014/main" id="{355D4400-162B-A356-12A3-528E867A6FC9}"/>
               </a:ext>
             </a:extLst>
           </p:cNvPr>
@@ -2062,7 +2062,7 @@
           <a:bodyPr/>
           <a:lstStyle/>
           <a:p>
-            <a:fld id="{B22705CF-63E8-456A-A837-CB55B57DC4B5}" type="datetimeFigureOut">
+            <a:fld id="{04073DB8-1806-4C00-A632-53411CABAEFB}" type="datetimeFigureOut">
               <a:rPr lang="zh-CN" altLang="en-US" smtClean="0"/>
               <a:t>2024/3/10</a:t>
             </a:fld>
@@ -2075,7 +2075,7 @@
           <p:cNvPr id="3" name="页脚占位符 2">
             <a:extLst>
               <a:ext uri="{FF2B5EF4-FFF2-40B4-BE49-F238E27FC236}">
-                <a16:creationId xmlns:a16="http://schemas.microsoft.com/office/drawing/2014/main" id="{D412F1FC-382F-0F8E-CD06-96AA6BED7C91}"/>
+                <a16:creationId xmlns:a16="http://schemas.microsoft.com/office/drawing/2014/main" id="{5A5E6773-B75E-2ACD-577B-C45CB12C6F85}"/>
               </a:ext>
             </a:extLst>
           </p:cNvPr>
@@ -2100,7 +2100,7 @@
           <p:cNvPr id="4" name="灯片编号占位符 3">
             <a:extLst>
               <a:ext uri="{FF2B5EF4-FFF2-40B4-BE49-F238E27FC236}">
-                <a16:creationId xmlns:a16="http://schemas.microsoft.com/office/drawing/2014/main" id="{A55950DC-5855-BF43-5454-5A9F7507BB96}"/>
+                <a16:creationId xmlns:a16="http://schemas.microsoft.com/office/drawing/2014/main" id="{820B3591-318B-43C3-A467-4C9028F090AE}"/>
               </a:ext>
             </a:extLst>
           </p:cNvPr>
@@ -2116,7 +2116,7 @@
           <a:bodyPr/>
           <a:lstStyle/>
           <a:p>
-            <a:fld id="{C3816EAA-3C76-4DBC-90A8-18AC16D40E10}" type="slidenum">
+            <a:fld id="{BE52A92E-6AD3-438A-9824-07E22FE15C4B}" type="slidenum">
               <a:rPr lang="zh-CN" altLang="en-US" smtClean="0"/>
               <a:t>‹#›</a:t>
             </a:fld>
@@ -2127,7 +2127,7 @@
     </p:spTree>
     <p:extLst>
       <p:ext uri="{BB962C8B-B14F-4D97-AF65-F5344CB8AC3E}">
-        <p14:creationId xmlns:p14="http://schemas.microsoft.com/office/powerpoint/2010/main" val="924521989"/>
+        <p14:creationId xmlns:p14="http://schemas.microsoft.com/office/powerpoint/2010/main" val="2640219184"/>
       </p:ext>
     </p:extLst>
   </p:cSld>
@@ -2159,7 +2159,7 @@
           <p:cNvPr id="2" name="标题 1">
             <a:extLst>
               <a:ext uri="{FF2B5EF4-FFF2-40B4-BE49-F238E27FC236}">
-                <a16:creationId xmlns:a16="http://schemas.microsoft.com/office/drawing/2014/main" id="{18D7AD73-485B-25D7-E515-5B92A0567D60}"/>
+                <a16:creationId xmlns:a16="http://schemas.microsoft.com/office/drawing/2014/main" id="{80BA8CD6-5E13-3A75-F256-187C4AEDF3F2}"/>
               </a:ext>
             </a:extLst>
           </p:cNvPr>
@@ -2196,7 +2196,7 @@
           <p:cNvPr id="3" name="内容占位符 2">
             <a:extLst>
               <a:ext uri="{FF2B5EF4-FFF2-40B4-BE49-F238E27FC236}">
-                <a16:creationId xmlns:a16="http://schemas.microsoft.com/office/drawing/2014/main" id="{77CA1FB8-F3D8-5BC9-C5EC-35AC18009C5A}"/>
+                <a16:creationId xmlns:a16="http://schemas.microsoft.com/office/drawing/2014/main" id="{16536D25-FDB0-A709-71DB-1B4F14D20D71}"/>
               </a:ext>
             </a:extLst>
           </p:cNvPr>
@@ -2286,7 +2286,7 @@
           <p:cNvPr id="4" name="文本占位符 3">
             <a:extLst>
               <a:ext uri="{FF2B5EF4-FFF2-40B4-BE49-F238E27FC236}">
-                <a16:creationId xmlns:a16="http://schemas.microsoft.com/office/drawing/2014/main" id="{F01553DC-E908-35A7-8398-96E5CF995FB6}"/>
+                <a16:creationId xmlns:a16="http://schemas.microsoft.com/office/drawing/2014/main" id="{A06C8F30-05CB-975E-D074-8105BB11E52D}"/>
               </a:ext>
             </a:extLst>
           </p:cNvPr>
@@ -2357,7 +2357,7 @@
           <p:cNvPr id="5" name="日期占位符 4">
             <a:extLst>
               <a:ext uri="{FF2B5EF4-FFF2-40B4-BE49-F238E27FC236}">
-                <a16:creationId xmlns:a16="http://schemas.microsoft.com/office/drawing/2014/main" id="{45A727F2-ED25-DE22-6594-CA5A757E86D5}"/>
+                <a16:creationId xmlns:a16="http://schemas.microsoft.com/office/drawing/2014/main" id="{3977D83C-5C9B-5ACD-0672-7389A8FB2E08}"/>
               </a:ext>
             </a:extLst>
           </p:cNvPr>
@@ -2373,7 +2373,7 @@
           <a:bodyPr/>
           <a:lstStyle/>
           <a:p>
-            <a:fld id="{B22705CF-63E8-456A-A837-CB55B57DC4B5}" type="datetimeFigureOut">
+            <a:fld id="{04073DB8-1806-4C00-A632-53411CABAEFB}" type="datetimeFigureOut">
               <a:rPr lang="zh-CN" altLang="en-US" smtClean="0"/>
               <a:t>2024/3/10</a:t>
             </a:fld>
@@ -2386,7 +2386,7 @@
           <p:cNvPr id="6" name="页脚占位符 5">
             <a:extLst>
               <a:ext uri="{FF2B5EF4-FFF2-40B4-BE49-F238E27FC236}">
-                <a16:creationId xmlns:a16="http://schemas.microsoft.com/office/drawing/2014/main" id="{CF96C478-0AD0-9093-D228-EA49303D58D8}"/>
+                <a16:creationId xmlns:a16="http://schemas.microsoft.com/office/drawing/2014/main" id="{111D5F50-AEAF-EAAB-FBB0-51B93FADA1C9}"/>
               </a:ext>
             </a:extLst>
           </p:cNvPr>
@@ -2411,7 +2411,7 @@
           <p:cNvPr id="7" name="灯片编号占位符 6">
             <a:extLst>
               <a:ext uri="{FF2B5EF4-FFF2-40B4-BE49-F238E27FC236}">
-                <a16:creationId xmlns:a16="http://schemas.microsoft.com/office/drawing/2014/main" id="{A0651A0C-7F35-98EA-8335-E5C5225FC76C}"/>
+                <a16:creationId xmlns:a16="http://schemas.microsoft.com/office/drawing/2014/main" id="{58EDEEBE-E8C1-8F58-47A5-AB727A60A20A}"/>
               </a:ext>
             </a:extLst>
           </p:cNvPr>
@@ -2427,7 +2427,7 @@
           <a:bodyPr/>
           <a:lstStyle/>
           <a:p>
-            <a:fld id="{C3816EAA-3C76-4DBC-90A8-18AC16D40E10}" type="slidenum">
+            <a:fld id="{BE52A92E-6AD3-438A-9824-07E22FE15C4B}" type="slidenum">
               <a:rPr lang="zh-CN" altLang="en-US" smtClean="0"/>
               <a:t>‹#›</a:t>
             </a:fld>
@@ -2438,7 +2438,7 @@
     </p:spTree>
     <p:extLst>
       <p:ext uri="{BB962C8B-B14F-4D97-AF65-F5344CB8AC3E}">
-        <p14:creationId xmlns:p14="http://schemas.microsoft.com/office/powerpoint/2010/main" val="36148030"/>
+        <p14:creationId xmlns:p14="http://schemas.microsoft.com/office/powerpoint/2010/main" val="3680551940"/>
       </p:ext>
     </p:extLst>
   </p:cSld>
@@ -2470,7 +2470,7 @@
           <p:cNvPr id="2" name="标题 1">
             <a:extLst>
               <a:ext uri="{FF2B5EF4-FFF2-40B4-BE49-F238E27FC236}">
-                <a16:creationId xmlns:a16="http://schemas.microsoft.com/office/drawing/2014/main" id="{7F5E308A-5B5A-6ABB-6CC5-C7CA3584028D}"/>
+                <a16:creationId xmlns:a16="http://schemas.microsoft.com/office/drawing/2014/main" id="{27FF3C5E-3EF9-1087-AC12-F7AFA5EC767B}"/>
               </a:ext>
             </a:extLst>
           </p:cNvPr>
@@ -2507,7 +2507,7 @@
           <p:cNvPr id="3" name="图片占位符 2">
             <a:extLst>
               <a:ext uri="{FF2B5EF4-FFF2-40B4-BE49-F238E27FC236}">
-                <a16:creationId xmlns:a16="http://schemas.microsoft.com/office/drawing/2014/main" id="{5D36E5D6-B07E-0565-C0E4-24C551F5F81D}"/>
+                <a16:creationId xmlns:a16="http://schemas.microsoft.com/office/drawing/2014/main" id="{A8DE3A1A-6236-3737-7EB7-54EF17C6516A}"/>
               </a:ext>
             </a:extLst>
           </p:cNvPr>
@@ -2574,7 +2574,7 @@
           <p:cNvPr id="4" name="文本占位符 3">
             <a:extLst>
               <a:ext uri="{FF2B5EF4-FFF2-40B4-BE49-F238E27FC236}">
-                <a16:creationId xmlns:a16="http://schemas.microsoft.com/office/drawing/2014/main" id="{8BA467C8-BB27-4382-31C1-E86E354E5F4C}"/>
+                <a16:creationId xmlns:a16="http://schemas.microsoft.com/office/drawing/2014/main" id="{A67469BD-5B13-67B3-03D3-1C45DC06399A}"/>
               </a:ext>
             </a:extLst>
           </p:cNvPr>
@@ -2645,7 +2645,7 @@
           <p:cNvPr id="5" name="日期占位符 4">
             <a:extLst>
               <a:ext uri="{FF2B5EF4-FFF2-40B4-BE49-F238E27FC236}">
-                <a16:creationId xmlns:a16="http://schemas.microsoft.com/office/drawing/2014/main" id="{8817AA6A-0334-34AC-5FDA-6A48EBF5C157}"/>
+                <a16:creationId xmlns:a16="http://schemas.microsoft.com/office/drawing/2014/main" id="{96F8B55F-9244-37F3-99EF-7E8E06A94EFC}"/>
               </a:ext>
             </a:extLst>
           </p:cNvPr>
@@ -2661,7 +2661,7 @@
           <a:bodyPr/>
           <a:lstStyle/>
           <a:p>
-            <a:fld id="{B22705CF-63E8-456A-A837-CB55B57DC4B5}" type="datetimeFigureOut">
+            <a:fld id="{04073DB8-1806-4C00-A632-53411CABAEFB}" type="datetimeFigureOut">
               <a:rPr lang="zh-CN" altLang="en-US" smtClean="0"/>
               <a:t>2024/3/10</a:t>
             </a:fld>
@@ -2674,7 +2674,7 @@
           <p:cNvPr id="6" name="页脚占位符 5">
             <a:extLst>
               <a:ext uri="{FF2B5EF4-FFF2-40B4-BE49-F238E27FC236}">
-                <a16:creationId xmlns:a16="http://schemas.microsoft.com/office/drawing/2014/main" id="{B0F2EAE5-EAA8-E651-7616-6EE6169A6940}"/>
+                <a16:creationId xmlns:a16="http://schemas.microsoft.com/office/drawing/2014/main" id="{278F875B-F3C9-3B28-466A-837D7E27F01C}"/>
               </a:ext>
             </a:extLst>
           </p:cNvPr>
@@ -2699,7 +2699,7 @@
           <p:cNvPr id="7" name="灯片编号占位符 6">
             <a:extLst>
               <a:ext uri="{FF2B5EF4-FFF2-40B4-BE49-F238E27FC236}">
-                <a16:creationId xmlns:a16="http://schemas.microsoft.com/office/drawing/2014/main" id="{E2352BD8-88BC-3834-3930-181469101D10}"/>
+                <a16:creationId xmlns:a16="http://schemas.microsoft.com/office/drawing/2014/main" id="{473E5BCB-E33E-98E3-2261-902B5D664B96}"/>
               </a:ext>
             </a:extLst>
           </p:cNvPr>
@@ -2715,7 +2715,7 @@
           <a:bodyPr/>
           <a:lstStyle/>
           <a:p>
-            <a:fld id="{C3816EAA-3C76-4DBC-90A8-18AC16D40E10}" type="slidenum">
+            <a:fld id="{BE52A92E-6AD3-438A-9824-07E22FE15C4B}" type="slidenum">
               <a:rPr lang="zh-CN" altLang="en-US" smtClean="0"/>
               <a:t>‹#›</a:t>
             </a:fld>
@@ -2726,7 +2726,7 @@
     </p:spTree>
     <p:extLst>
       <p:ext uri="{BB962C8B-B14F-4D97-AF65-F5344CB8AC3E}">
-        <p14:creationId xmlns:p14="http://schemas.microsoft.com/office/powerpoint/2010/main" val="1914876903"/>
+        <p14:creationId xmlns:p14="http://schemas.microsoft.com/office/powerpoint/2010/main" val="3633894430"/>
       </p:ext>
     </p:extLst>
   </p:cSld>
@@ -2763,7 +2763,7 @@
           <p:cNvPr id="2" name="标题占位符 1">
             <a:extLst>
               <a:ext uri="{FF2B5EF4-FFF2-40B4-BE49-F238E27FC236}">
-                <a16:creationId xmlns:a16="http://schemas.microsoft.com/office/drawing/2014/main" id="{0035412D-1EFF-10B8-74D4-F3B848909B5E}"/>
+                <a16:creationId xmlns:a16="http://schemas.microsoft.com/office/drawing/2014/main" id="{4BD8EB4A-B03C-D4A8-CE4A-607FD59CD584}"/>
               </a:ext>
             </a:extLst>
           </p:cNvPr>
@@ -2801,7 +2801,7 @@
           <p:cNvPr id="3" name="文本占位符 2">
             <a:extLst>
               <a:ext uri="{FF2B5EF4-FFF2-40B4-BE49-F238E27FC236}">
-                <a16:creationId xmlns:a16="http://schemas.microsoft.com/office/drawing/2014/main" id="{31D4F7F4-FAE8-D710-AF17-0D6B299FFFA8}"/>
+                <a16:creationId xmlns:a16="http://schemas.microsoft.com/office/drawing/2014/main" id="{76320B48-FD0B-2B36-C7E1-6B6614BE90F1}"/>
               </a:ext>
             </a:extLst>
           </p:cNvPr>
@@ -2868,7 +2868,7 @@
           <p:cNvPr id="4" name="日期占位符 3">
             <a:extLst>
               <a:ext uri="{FF2B5EF4-FFF2-40B4-BE49-F238E27FC236}">
-                <a16:creationId xmlns:a16="http://schemas.microsoft.com/office/drawing/2014/main" id="{25662A67-11FB-465C-6946-4F09F775DEEA}"/>
+                <a16:creationId xmlns:a16="http://schemas.microsoft.com/office/drawing/2014/main" id="{6D19861A-4DBB-5100-62CB-0A47CB28A24D}"/>
               </a:ext>
             </a:extLst>
           </p:cNvPr>
@@ -2902,7 +2902,7 @@
             </a:lvl1pPr>
           </a:lstStyle>
           <a:p>
-            <a:fld id="{B22705CF-63E8-456A-A837-CB55B57DC4B5}" type="datetimeFigureOut">
+            <a:fld id="{04073DB8-1806-4C00-A632-53411CABAEFB}" type="datetimeFigureOut">
               <a:rPr lang="zh-CN" altLang="en-US" smtClean="0"/>
               <a:t>2024/3/10</a:t>
             </a:fld>
@@ -2915,7 +2915,7 @@
           <p:cNvPr id="5" name="页脚占位符 4">
             <a:extLst>
               <a:ext uri="{FF2B5EF4-FFF2-40B4-BE49-F238E27FC236}">
-                <a16:creationId xmlns:a16="http://schemas.microsoft.com/office/drawing/2014/main" id="{DF70B380-C916-6BF8-E5F3-30E4731A442E}"/>
+                <a16:creationId xmlns:a16="http://schemas.microsoft.com/office/drawing/2014/main" id="{1D4352EF-2C8A-D933-37E1-6FE2E3941B7C}"/>
               </a:ext>
             </a:extLst>
           </p:cNvPr>
@@ -2958,7 +2958,7 @@
           <p:cNvPr id="6" name="灯片编号占位符 5">
             <a:extLst>
               <a:ext uri="{FF2B5EF4-FFF2-40B4-BE49-F238E27FC236}">
-                <a16:creationId xmlns:a16="http://schemas.microsoft.com/office/drawing/2014/main" id="{92EB23C4-A277-1AC9-B46A-BEDAAABF7CDE}"/>
+                <a16:creationId xmlns:a16="http://schemas.microsoft.com/office/drawing/2014/main" id="{F00A79C7-CB98-7D1B-539F-B76E212B68E1}"/>
               </a:ext>
             </a:extLst>
           </p:cNvPr>
@@ -2992,7 +2992,7 @@
             </a:lvl1pPr>
           </a:lstStyle>
           <a:p>
-            <a:fld id="{C3816EAA-3C76-4DBC-90A8-18AC16D40E10}" type="slidenum">
+            <a:fld id="{BE52A92E-6AD3-438A-9824-07E22FE15C4B}" type="slidenum">
               <a:rPr lang="zh-CN" altLang="en-US" smtClean="0"/>
               <a:t>‹#›</a:t>
             </a:fld>
@@ -3003,7 +3003,7 @@
     </p:spTree>
     <p:extLst>
       <p:ext uri="{BB962C8B-B14F-4D97-AF65-F5344CB8AC3E}">
-        <p14:creationId xmlns:p14="http://schemas.microsoft.com/office/powerpoint/2010/main" val="572344982"/>
+        <p14:creationId xmlns:p14="http://schemas.microsoft.com/office/powerpoint/2010/main" val="2963558558"/>
       </p:ext>
     </p:extLst>
   </p:cSld>
@@ -3323,7 +3323,7 @@
       </p:grpSpPr>
       <p:pic>
         <p:nvPicPr>
-          <p:cNvPr id="194562" name="Picture 2" descr="189"/>
+          <p:cNvPr id="195586" name="Picture 2" descr="190"/>
           <p:cNvPicPr>
             <a:picLocks noChangeAspect="1" noChangeArrowheads="1"/>
           </p:cNvPicPr>
@@ -3344,8 +3344,8 @@
         </p:blipFill>
         <p:spPr bwMode="auto">
           <a:xfrm>
-            <a:off x="1524000" y="1"/>
-            <a:ext cx="9144000" cy="5876925"/>
+            <a:off x="1524000" y="0"/>
+            <a:ext cx="9144000" cy="6858000"/>
           </a:xfrm>
           <a:prstGeom prst="rect">
             <a:avLst/>
@@ -3375,11 +3375,158 @@
           </a:extLst>
         </p:spPr>
       </p:pic>
+      <p:pic>
+        <p:nvPicPr>
+          <p:cNvPr id="196611" name="Picture 3" descr="190-2"/>
+          <p:cNvPicPr>
+            <a:picLocks noChangeAspect="1" noChangeArrowheads="1"/>
+          </p:cNvPicPr>
+          <p:nvPr/>
+        </p:nvPicPr>
+        <p:blipFill>
+          <a:blip r:embed="rId3">
+            <a:extLst>
+              <a:ext uri="{28A0092B-C50C-407E-A947-70E740481C1C}">
+                <a14:useLocalDpi xmlns:a14="http://schemas.microsoft.com/office/drawing/2010/main" val="0"/>
+              </a:ext>
+            </a:extLst>
+          </a:blip>
+          <a:srcRect/>
+          <a:stretch>
+            <a:fillRect/>
+          </a:stretch>
+        </p:blipFill>
+        <p:spPr bwMode="auto">
+          <a:xfrm>
+            <a:off x="1560513" y="0"/>
+            <a:ext cx="9144000" cy="6858000"/>
+          </a:xfrm>
+          <a:prstGeom prst="rect">
+            <a:avLst/>
+          </a:prstGeom>
+          <a:noFill/>
+          <a:ln>
+            <a:noFill/>
+          </a:ln>
+          <a:effectLst/>
+          <a:extLst>
+            <a:ext uri="{909E8E84-426E-40DD-AFC4-6F175D3DCCD1}">
+              <a14:hiddenFill xmlns:a14="http://schemas.microsoft.com/office/drawing/2010/main">
+                <a:solidFill>
+                  <a:srgbClr val="FFFFFF"/>
+                </a:solidFill>
+              </a14:hiddenFill>
+            </a:ext>
+            <a:ext uri="{91240B29-F687-4F45-9708-019B960494DF}">
+              <a14:hiddenLine xmlns:a14="http://schemas.microsoft.com/office/drawing/2010/main" w="9525">
+                <a:solidFill>
+                  <a:srgbClr val="000000"/>
+                </a:solidFill>
+                <a:miter lim="800000"/>
+                <a:headEnd/>
+                <a:tailEnd/>
+              </a14:hiddenLine>
+            </a:ext>
+            <a:ext uri="{AF507438-7753-43E0-B8FC-AC1667EBCBE1}">
+              <a14:hiddenEffects xmlns:a14="http://schemas.microsoft.com/office/drawing/2010/main">
+                <a:effectLst>
+                  <a:outerShdw dist="35921" dir="2700000" algn="ctr" rotWithShape="0">
+                    <a:srgbClr val="808080"/>
+                  </a:outerShdw>
+                </a:effectLst>
+              </a14:hiddenEffects>
+            </a:ext>
+          </a:extLst>
+        </p:spPr>
+      </p:pic>
     </p:spTree>
   </p:cSld>
   <p:clrMapOvr>
     <a:masterClrMapping/>
   </p:clrMapOvr>
+  <p:timing>
+    <p:tnLst>
+      <p:par>
+        <p:cTn id="1" dur="indefinite" restart="never" nodeType="tmRoot">
+          <p:childTnLst>
+            <p:seq concurrent="1" nextAc="seek">
+              <p:cTn id="2" dur="indefinite" nodeType="mainSeq">
+                <p:childTnLst>
+                  <p:par>
+                    <p:cTn id="3" fill="hold" nodeType="clickPar">
+                      <p:stCondLst>
+                        <p:cond delay="indefinite"/>
+                      </p:stCondLst>
+                      <p:childTnLst>
+                        <p:par>
+                          <p:cTn id="4" fill="hold" nodeType="withGroup">
+                            <p:stCondLst>
+                              <p:cond delay="0"/>
+                            </p:stCondLst>
+                            <p:childTnLst>
+                              <p:par>
+                                <p:cTn id="5" presetID="10" presetClass="entr" presetSubtype="0" fill="hold" nodeType="clickEffect">
+                                  <p:stCondLst>
+                                    <p:cond delay="0"/>
+                                  </p:stCondLst>
+                                  <p:childTnLst>
+                                    <p:set>
+                                      <p:cBhvr>
+                                        <p:cTn id="6" dur="1" fill="hold">
+                                          <p:stCondLst>
+                                            <p:cond delay="0"/>
+                                          </p:stCondLst>
+                                        </p:cTn>
+                                        <p:tgtEl>
+                                          <p:spTgt spid="196611"/>
+                                        </p:tgtEl>
+                                        <p:attrNameLst>
+                                          <p:attrName>style.visibility</p:attrName>
+                                        </p:attrNameLst>
+                                      </p:cBhvr>
+                                      <p:to>
+                                        <p:strVal val="visible"/>
+                                      </p:to>
+                                    </p:set>
+                                    <p:animEffect transition="in" filter="fade">
+                                      <p:cBhvr>
+                                        <p:cTn id="7" dur="500"/>
+                                        <p:tgtEl>
+                                          <p:spTgt spid="196611"/>
+                                        </p:tgtEl>
+                                      </p:cBhvr>
+                                    </p:animEffect>
+                                  </p:childTnLst>
+                                </p:cTn>
+                              </p:par>
+                            </p:childTnLst>
+                          </p:cTn>
+                        </p:par>
+                      </p:childTnLst>
+                    </p:cTn>
+                  </p:par>
+                </p:childTnLst>
+              </p:cTn>
+              <p:prevCondLst>
+                <p:cond evt="onPrev" delay="0">
+                  <p:tgtEl>
+                    <p:sldTgt/>
+                  </p:tgtEl>
+                </p:cond>
+              </p:prevCondLst>
+              <p:nextCondLst>
+                <p:cond evt="onNext" delay="0">
+                  <p:tgtEl>
+                    <p:sldTgt/>
+                  </p:tgtEl>
+                </p:cond>
+              </p:nextCondLst>
+            </p:seq>
+          </p:childTnLst>
+        </p:cTn>
+      </p:par>
+    </p:tnLst>
+  </p:timing>
 </p:sld>
 </file>
 
